--- a/figs/Figures_four_web.pptx
+++ b/figs/Figures_four_web.pptx
@@ -290,7 +290,7 @@
           <a:p>
             <a:fld id="{2D21DC69-8899-FB42-A82B-EBF5289BD71C}" type="datetimeFigureOut">
               <a:rPr lang="en-US" smtClean="0"/>
-              <a:t>12/03/19</a:t>
+              <a:t>14/03/19</a:t>
             </a:fld>
             <a:endParaRPr lang="en-US"/>
           </a:p>
@@ -460,7 +460,7 @@
           <a:p>
             <a:fld id="{2D21DC69-8899-FB42-A82B-EBF5289BD71C}" type="datetimeFigureOut">
               <a:rPr lang="en-US" smtClean="0"/>
-              <a:t>12/03/19</a:t>
+              <a:t>14/03/19</a:t>
             </a:fld>
             <a:endParaRPr lang="en-US"/>
           </a:p>
@@ -640,7 +640,7 @@
           <a:p>
             <a:fld id="{2D21DC69-8899-FB42-A82B-EBF5289BD71C}" type="datetimeFigureOut">
               <a:rPr lang="en-US" smtClean="0"/>
-              <a:t>12/03/19</a:t>
+              <a:t>14/03/19</a:t>
             </a:fld>
             <a:endParaRPr lang="en-US"/>
           </a:p>
@@ -810,7 +810,7 @@
           <a:p>
             <a:fld id="{2D21DC69-8899-FB42-A82B-EBF5289BD71C}" type="datetimeFigureOut">
               <a:rPr lang="en-US" smtClean="0"/>
-              <a:t>12/03/19</a:t>
+              <a:t>14/03/19</a:t>
             </a:fld>
             <a:endParaRPr lang="en-US"/>
           </a:p>
@@ -1056,7 +1056,7 @@
           <a:p>
             <a:fld id="{2D21DC69-8899-FB42-A82B-EBF5289BD71C}" type="datetimeFigureOut">
               <a:rPr lang="en-US" smtClean="0"/>
-              <a:t>12/03/19</a:t>
+              <a:t>14/03/19</a:t>
             </a:fld>
             <a:endParaRPr lang="en-US"/>
           </a:p>
@@ -1344,7 +1344,7 @@
           <a:p>
             <a:fld id="{2D21DC69-8899-FB42-A82B-EBF5289BD71C}" type="datetimeFigureOut">
               <a:rPr lang="en-US" smtClean="0"/>
-              <a:t>12/03/19</a:t>
+              <a:t>14/03/19</a:t>
             </a:fld>
             <a:endParaRPr lang="en-US"/>
           </a:p>
@@ -1766,7 +1766,7 @@
           <a:p>
             <a:fld id="{2D21DC69-8899-FB42-A82B-EBF5289BD71C}" type="datetimeFigureOut">
               <a:rPr lang="en-US" smtClean="0"/>
-              <a:t>12/03/19</a:t>
+              <a:t>14/03/19</a:t>
             </a:fld>
             <a:endParaRPr lang="en-US"/>
           </a:p>
@@ -1884,7 +1884,7 @@
           <a:p>
             <a:fld id="{2D21DC69-8899-FB42-A82B-EBF5289BD71C}" type="datetimeFigureOut">
               <a:rPr lang="en-US" smtClean="0"/>
-              <a:t>12/03/19</a:t>
+              <a:t>14/03/19</a:t>
             </a:fld>
             <a:endParaRPr lang="en-US"/>
           </a:p>
@@ -1979,7 +1979,7 @@
           <a:p>
             <a:fld id="{2D21DC69-8899-FB42-A82B-EBF5289BD71C}" type="datetimeFigureOut">
               <a:rPr lang="en-US" smtClean="0"/>
-              <a:t>12/03/19</a:t>
+              <a:t>14/03/19</a:t>
             </a:fld>
             <a:endParaRPr lang="en-US"/>
           </a:p>
@@ -2256,7 +2256,7 @@
           <a:p>
             <a:fld id="{2D21DC69-8899-FB42-A82B-EBF5289BD71C}" type="datetimeFigureOut">
               <a:rPr lang="en-US" smtClean="0"/>
-              <a:t>12/03/19</a:t>
+              <a:t>14/03/19</a:t>
             </a:fld>
             <a:endParaRPr lang="en-US"/>
           </a:p>
@@ -2509,7 +2509,7 @@
           <a:p>
             <a:fld id="{2D21DC69-8899-FB42-A82B-EBF5289BD71C}" type="datetimeFigureOut">
               <a:rPr lang="en-US" smtClean="0"/>
-              <a:t>12/03/19</a:t>
+              <a:t>14/03/19</a:t>
             </a:fld>
             <a:endParaRPr lang="en-US"/>
           </a:p>
@@ -2722,7 +2722,7 @@
           <a:p>
             <a:fld id="{2D21DC69-8899-FB42-A82B-EBF5289BD71C}" type="datetimeFigureOut">
               <a:rPr lang="en-US" smtClean="0"/>
-              <a:t>12/03/19</a:t>
+              <a:t>14/03/19</a:t>
             </a:fld>
             <a:endParaRPr lang="en-US"/>
           </a:p>
@@ -3378,8 +3378,8 @@
             <a:lstStyle/>
             <a:p>
               <a:r>
-                <a:rPr lang="en-US" sz="2800" i="1" dirty="0" smtClean="0"/>
-                <a:t>n</a:t>
+                <a:rPr lang="en-US" sz="2800" i="1" dirty="0"/>
+                <a:t>p</a:t>
               </a:r>
               <a:endParaRPr lang="en-US" sz="2800" i="1" dirty="0"/>
             </a:p>
@@ -3566,205 +3566,84 @@
       </p:sp>
       <p:grpSp>
         <p:nvGrpSpPr>
-          <p:cNvPr id="17" name="Group 16"/>
+          <p:cNvPr id="8" name="Group 7"/>
           <p:cNvGrpSpPr/>
           <p:nvPr/>
         </p:nvGrpSpPr>
         <p:grpSpPr>
           <a:xfrm>
-            <a:off x="1284380" y="2633782"/>
-            <a:ext cx="7129145" cy="2218531"/>
-            <a:chOff x="1284380" y="2633782"/>
-            <a:chExt cx="7129145" cy="2218531"/>
+            <a:off x="457200" y="2616118"/>
+            <a:ext cx="5704944" cy="2358641"/>
+            <a:chOff x="457200" y="2616118"/>
+            <a:chExt cx="5704944" cy="2358641"/>
           </a:xfrm>
         </p:grpSpPr>
-        <p:grpSp>
-          <p:nvGrpSpPr>
-            <p:cNvPr id="10" name="Group 9"/>
-            <p:cNvGrpSpPr/>
+        <p:pic>
+          <p:nvPicPr>
+            <p:cNvPr id="6" name="Picture 5" descr="sim.png"/>
+            <p:cNvPicPr>
+              <a:picLocks noChangeAspect="1"/>
+            </p:cNvPicPr>
             <p:nvPr/>
-          </p:nvGrpSpPr>
-          <p:grpSpPr>
-            <a:xfrm>
-              <a:off x="1486419" y="2842769"/>
-              <a:ext cx="6595081" cy="1875939"/>
-              <a:chOff x="-634975" y="2799478"/>
-              <a:chExt cx="6595081" cy="1875939"/>
-            </a:xfrm>
-          </p:grpSpPr>
-          <p:grpSp>
-            <p:nvGrpSpPr>
-              <p:cNvPr id="7" name="Group 6"/>
-              <p:cNvGrpSpPr/>
-              <p:nvPr/>
-            </p:nvGrpSpPr>
-            <p:grpSpPr>
-              <a:xfrm>
-                <a:off x="-634975" y="2799478"/>
-                <a:ext cx="6595081" cy="1875939"/>
-                <a:chOff x="-634975" y="2799478"/>
-                <a:chExt cx="6595081" cy="1875939"/>
-              </a:xfrm>
-            </p:grpSpPr>
-            <p:pic>
-              <p:nvPicPr>
-                <p:cNvPr id="4" name="Picture 3" descr="otutb.png"/>
-                <p:cNvPicPr>
-                  <a:picLocks noChangeAspect="1"/>
-                </p:cNvPicPr>
-                <p:nvPr/>
-              </p:nvPicPr>
-              <p:blipFill rotWithShape="1">
-                <a:blip r:embed="rId2">
-                  <a:extLst>
-                    <a:ext uri="{28A0092B-C50C-407E-A947-70E740481C1C}">
-                      <a14:useLocalDpi xmlns:a14="http://schemas.microsoft.com/office/drawing/2010/main" val="0"/>
-                    </a:ext>
-                  </a:extLst>
-                </a:blip>
-                <a:srcRect l="14428" t="20628" r="7887" b="15283"/>
-                <a:stretch/>
-              </p:blipFill>
-              <p:spPr>
-                <a:xfrm>
-                  <a:off x="-634975" y="2799478"/>
-                  <a:ext cx="4040745" cy="1875939"/>
-                </a:xfrm>
-                <a:prstGeom prst="rect">
-                  <a:avLst/>
-                </a:prstGeom>
-              </p:spPr>
-            </p:pic>
-            <p:pic>
-              <p:nvPicPr>
-                <p:cNvPr id="6" name="Picture 5" descr="sim.png"/>
-                <p:cNvPicPr>
-                  <a:picLocks noChangeAspect="1"/>
-                </p:cNvPicPr>
-                <p:nvPr/>
-              </p:nvPicPr>
-              <p:blipFill rotWithShape="1">
-                <a:blip r:embed="rId3">
-                  <a:extLst>
-                    <a:ext uri="{28A0092B-C50C-407E-A947-70E740481C1C}">
-                      <a14:useLocalDpi xmlns:a14="http://schemas.microsoft.com/office/drawing/2010/main" val="0"/>
-                    </a:ext>
-                  </a:extLst>
-                </a:blip>
-                <a:srcRect t="13420" r="15158" b="24271"/>
-                <a:stretch/>
-              </p:blipFill>
-              <p:spPr>
-                <a:xfrm>
-                  <a:off x="3405770" y="2799478"/>
-                  <a:ext cx="2554336" cy="1875939"/>
-                </a:xfrm>
-                <a:prstGeom prst="rect">
-                  <a:avLst/>
-                </a:prstGeom>
-              </p:spPr>
-            </p:pic>
-          </p:grpSp>
-          <p:cxnSp>
-            <p:nvCxnSpPr>
-              <p:cNvPr id="9" name="Straight Arrow Connector 8"/>
-              <p:cNvCxnSpPr>
-                <a:stCxn id="4" idx="3"/>
-              </p:cNvCxnSpPr>
-              <p:nvPr/>
-            </p:nvCxnSpPr>
-            <p:spPr>
-              <a:xfrm>
-                <a:off x="3405770" y="3737448"/>
-                <a:ext cx="634980" cy="0"/>
-              </a:xfrm>
-              <a:prstGeom prst="straightConnector1">
-                <a:avLst/>
-              </a:prstGeom>
-              <a:ln w="88900">
-                <a:solidFill>
-                  <a:schemeClr val="tx1"/>
-                </a:solidFill>
-                <a:tailEnd type="arrow"/>
-              </a:ln>
-              <a:effectLst/>
-            </p:spPr>
-            <p:style>
-              <a:lnRef idx="2">
-                <a:schemeClr val="accent1"/>
-              </a:lnRef>
-              <a:fillRef idx="0">
-                <a:schemeClr val="accent1"/>
-              </a:fillRef>
-              <a:effectRef idx="1">
-                <a:schemeClr val="accent1"/>
-              </a:effectRef>
-              <a:fontRef idx="minor">
-                <a:schemeClr val="tx1"/>
-              </a:fontRef>
-            </p:style>
-          </p:cxnSp>
-        </p:grpSp>
-        <p:sp>
-          <p:nvSpPr>
-            <p:cNvPr id="11" name="TextBox 10"/>
-            <p:cNvSpPr txBox="1"/>
-            <p:nvPr/>
-          </p:nvSpPr>
+          </p:nvPicPr>
+          <p:blipFill rotWithShape="1">
+            <a:blip r:embed="rId2">
+              <a:extLst>
+                <a:ext uri="{28A0092B-C50C-407E-A947-70E740481C1C}">
+                  <a14:useLocalDpi xmlns:a14="http://schemas.microsoft.com/office/drawing/2010/main" val="0"/>
+                </a:ext>
+              </a:extLst>
+            </a:blip>
+            <a:srcRect t="13420" r="15158" b="24271"/>
+            <a:stretch/>
+          </p:blipFill>
           <p:spPr>
             <a:xfrm>
-              <a:off x="1284380" y="4329093"/>
-              <a:ext cx="459143" cy="523220"/>
+              <a:off x="457200" y="2825105"/>
+              <a:ext cx="2554336" cy="1875939"/>
             </a:xfrm>
             <a:prstGeom prst="rect">
               <a:avLst/>
             </a:prstGeom>
-            <a:noFill/>
           </p:spPr>
-          <p:txBody>
-            <a:bodyPr wrap="none" rtlCol="0">
-              <a:spAutoFit/>
-            </a:bodyPr>
-            <a:lstStyle/>
-            <a:p>
-              <a:r>
-                <a:rPr lang="en-US" sz="2800" i="1" dirty="0" smtClean="0"/>
-                <a:t>n</a:t>
-              </a:r>
-              <a:endParaRPr lang="en-US" sz="2800" i="1" dirty="0"/>
-            </a:p>
-          </p:txBody>
-        </p:sp>
-        <p:sp>
-          <p:nvSpPr>
-            <p:cNvPr id="12" name="TextBox 11"/>
-            <p:cNvSpPr txBox="1"/>
+        </p:pic>
+        <p:cxnSp>
+          <p:nvCxnSpPr>
+            <p:cNvPr id="9" name="Straight Arrow Connector 8"/>
+            <p:cNvCxnSpPr/>
             <p:nvPr/>
-          </p:nvSpPr>
+          </p:nvCxnSpPr>
           <p:spPr>
             <a:xfrm>
-              <a:off x="5326454" y="2644479"/>
-              <a:ext cx="459143" cy="523220"/>
+              <a:off x="3083794" y="3806366"/>
+              <a:ext cx="634980" cy="0"/>
             </a:xfrm>
-            <a:prstGeom prst="rect">
+            <a:prstGeom prst="straightConnector1">
               <a:avLst/>
             </a:prstGeom>
-            <a:noFill/>
+            <a:ln w="88900">
+              <a:solidFill>
+                <a:schemeClr val="tx1"/>
+              </a:solidFill>
+              <a:tailEnd type="arrow"/>
+            </a:ln>
+            <a:effectLst/>
           </p:spPr>
-          <p:txBody>
-            <a:bodyPr wrap="none" rtlCol="0">
-              <a:spAutoFit/>
-            </a:bodyPr>
-            <a:lstStyle/>
-            <a:p>
-              <a:r>
-                <a:rPr lang="en-US" sz="2800" i="1" dirty="0" smtClean="0"/>
-                <a:t>n</a:t>
-              </a:r>
-              <a:endParaRPr lang="en-US" sz="2800" i="1" dirty="0"/>
-            </a:p>
-          </p:txBody>
-        </p:sp>
+          <p:style>
+            <a:lnRef idx="2">
+              <a:schemeClr val="accent1"/>
+            </a:lnRef>
+            <a:fillRef idx="0">
+              <a:schemeClr val="accent1"/>
+            </a:fillRef>
+            <a:effectRef idx="1">
+              <a:schemeClr val="accent1"/>
+            </a:effectRef>
+            <a:fontRef idx="minor">
+              <a:schemeClr val="tx1"/>
+            </a:fontRef>
+          </p:style>
+        </p:cxnSp>
         <p:sp>
           <p:nvSpPr>
             <p:cNvPr id="13" name="TextBox 12"/>
@@ -3773,7 +3652,7 @@
           </p:nvSpPr>
           <p:spPr>
             <a:xfrm>
-              <a:off x="5979956" y="4329093"/>
+              <a:off x="909992" y="4311429"/>
               <a:ext cx="459143" cy="523220"/>
             </a:xfrm>
             <a:prstGeom prst="rect">
@@ -3803,7 +3682,7 @@
           </p:nvSpPr>
           <p:spPr>
             <a:xfrm>
-              <a:off x="7954382" y="2633782"/>
+              <a:off x="2884418" y="2616118"/>
               <a:ext cx="459143" cy="523220"/>
             </a:xfrm>
             <a:prstGeom prst="rect">
@@ -3827,48 +3706,13 @@
         </p:sp>
         <p:sp>
           <p:nvSpPr>
-            <p:cNvPr id="15" name="TextBox 14"/>
-            <p:cNvSpPr txBox="1"/>
-            <p:nvPr/>
-          </p:nvSpPr>
-          <p:spPr>
-            <a:xfrm>
-              <a:off x="2727507" y="3519129"/>
-              <a:ext cx="1650938" cy="523220"/>
-            </a:xfrm>
-            <a:prstGeom prst="rect">
-              <a:avLst/>
-            </a:prstGeom>
-            <a:solidFill>
-              <a:schemeClr val="bg1">
-                <a:alpha val="95000"/>
-              </a:schemeClr>
-            </a:solidFill>
-          </p:spPr>
-          <p:txBody>
-            <a:bodyPr wrap="none" rtlCol="0">
-              <a:spAutoFit/>
-            </a:bodyPr>
-            <a:lstStyle/>
-            <a:p>
-              <a:pPr algn="ctr"/>
-              <a:r>
-                <a:rPr lang="en-US" sz="2800" dirty="0" smtClean="0"/>
-                <a:t>OTU table  </a:t>
-              </a:r>
-              <a:endParaRPr lang="en-US" sz="2800" dirty="0"/>
-            </a:p>
-          </p:txBody>
-        </p:sp>
-        <p:sp>
-          <p:nvSpPr>
             <p:cNvPr id="16" name="TextBox 15"/>
             <p:cNvSpPr txBox="1"/>
             <p:nvPr/>
           </p:nvSpPr>
           <p:spPr>
             <a:xfrm>
-              <a:off x="6476616" y="3519129"/>
+              <a:off x="1406652" y="3501465"/>
               <a:ext cx="1365328" cy="523220"/>
             </a:xfrm>
             <a:prstGeom prst="rect">
@@ -3894,6 +3738,35 @@
             </a:p>
           </p:txBody>
         </p:sp>
+        <p:pic>
+          <p:nvPicPr>
+            <p:cNvPr id="5" name="Picture 4" descr="PCoA.pdf"/>
+            <p:cNvPicPr>
+              <a:picLocks noChangeAspect="1"/>
+            </p:cNvPicPr>
+            <p:nvPr/>
+          </p:nvPicPr>
+          <p:blipFill rotWithShape="1">
+            <a:blip r:embed="rId3">
+              <a:extLst>
+                <a:ext uri="{28A0092B-C50C-407E-A947-70E740481C1C}">
+                  <a14:useLocalDpi xmlns:a14="http://schemas.microsoft.com/office/drawing/2010/main" val="0"/>
+                </a:ext>
+              </a:extLst>
+            </a:blip>
+            <a:srcRect l="47150" t="5006" r="21088" b="54761"/>
+            <a:stretch/>
+          </p:blipFill>
+          <p:spPr>
+            <a:xfrm>
+              <a:off x="3838712" y="2767385"/>
+              <a:ext cx="2323432" cy="2207374"/>
+            </a:xfrm>
+            <a:prstGeom prst="rect">
+              <a:avLst/>
+            </a:prstGeom>
+          </p:spPr>
+        </p:pic>
       </p:grpSp>
     </p:spTree>
     <p:extLst>
